--- a/src/site/discrete2021/slides/Discrete-Ch01P8.pptx
+++ b/src/site/discrete2021/slides/Discrete-Ch01P8.pptx
@@ -11,12 +11,12 @@
     <p:sldId id="572" r:id="rId2"/>
     <p:sldId id="596" r:id="rId3"/>
     <p:sldId id="597" r:id="rId4"/>
-    <p:sldId id="598" r:id="rId5"/>
-    <p:sldId id="599" r:id="rId6"/>
-    <p:sldId id="573" r:id="rId7"/>
-    <p:sldId id="574" r:id="rId8"/>
-    <p:sldId id="575" r:id="rId9"/>
-    <p:sldId id="576" r:id="rId10"/>
+    <p:sldId id="599" r:id="rId5"/>
+    <p:sldId id="573" r:id="rId6"/>
+    <p:sldId id="574" r:id="rId7"/>
+    <p:sldId id="575" r:id="rId8"/>
+    <p:sldId id="576" r:id="rId9"/>
+    <p:sldId id="603" r:id="rId10"/>
     <p:sldId id="577" r:id="rId11"/>
     <p:sldId id="578" r:id="rId12"/>
     <p:sldId id="580" r:id="rId13"/>
@@ -144,7 +144,6 @@
             <p14:sldId id="572"/>
             <p14:sldId id="596"/>
             <p14:sldId id="597"/>
-            <p14:sldId id="598"/>
             <p14:sldId id="599"/>
             <p14:sldId id="573"/>
           </p14:sldIdLst>
@@ -154,6 +153,7 @@
             <p14:sldId id="574"/>
             <p14:sldId id="575"/>
             <p14:sldId id="576"/>
+            <p14:sldId id="603"/>
             <p14:sldId id="577"/>
             <p14:sldId id="578"/>
             <p14:sldId id="580"/>
@@ -280,7 +280,7 @@
           <a:p>
             <a:fld id="{21C6C08E-8AD4-46C5-BAC9-3D04C6463705}" type="datetimeFigureOut">
               <a:rPr lang="lv-LV" smtClean="0"/>
-              <a:t>07.02.2021</a:t>
+              <a:t>05.04.2021</a:t>
             </a:fld>
             <a:endParaRPr lang="lv-LV"/>
           </a:p>
@@ -548,6 +548,157 @@
 </p:notesMaster>
 </file>
 
+<file path=ppt/notesSlides/notesSlide1.xml><?xml version="1.0" encoding="utf-8"?>
+<p:notes xmlns:a="http://schemas.openxmlformats.org/drawingml/2006/main" xmlns:r="http://schemas.openxmlformats.org/officeDocument/2006/relationships" xmlns:p="http://schemas.openxmlformats.org/presentationml/2006/main">
+  <p:cSld>
+    <p:spTree>
+      <p:nvGrpSpPr>
+        <p:cNvPr id="1" name=""/>
+        <p:cNvGrpSpPr/>
+        <p:nvPr/>
+      </p:nvGrpSpPr>
+      <p:grpSpPr>
+        <a:xfrm>
+          <a:off x="0" y="0"/>
+          <a:ext cx="0" cy="0"/>
+          <a:chOff x="0" y="0"/>
+          <a:chExt cx="0" cy="0"/>
+        </a:xfrm>
+      </p:grpSpPr>
+      <p:sp>
+        <p:nvSpPr>
+          <p:cNvPr id="2" name="Slide Image Placeholder 1"/>
+          <p:cNvSpPr>
+            <a:spLocks noGrp="1" noRot="1" noChangeAspect="1"/>
+          </p:cNvSpPr>
+          <p:nvPr>
+            <p:ph type="sldImg"/>
+          </p:nvPr>
+        </p:nvSpPr>
+        <p:spPr/>
+      </p:sp>
+      <p:sp>
+        <p:nvSpPr>
+          <p:cNvPr id="3" name="Notes Placeholder 2"/>
+          <p:cNvSpPr>
+            <a:spLocks noGrp="1"/>
+          </p:cNvSpPr>
+          <p:nvPr>
+            <p:ph type="body" idx="1"/>
+          </p:nvPr>
+        </p:nvSpPr>
+        <p:spPr/>
+        <p:txBody>
+          <a:bodyPr/>
+          <a:lstStyle/>
+          <a:p>
+            <a:r>
+              <a:rPr lang="en-US" dirty="0" smtClean="0"/>
+              <a:t>In mathematics we typically distinguish 2 types of questions:  </a:t>
+            </a:r>
+          </a:p>
+          <a:p>
+            <a:r>
+              <a:rPr lang="en-US" dirty="0" smtClean="0">
+                <a:solidFill>
+                  <a:srgbClr val="0000FF"/>
+                </a:solidFill>
+              </a:rPr>
+              <a:t>(1)</a:t>
+            </a:r>
+            <a:r>
+              <a:rPr lang="en-US" baseline="0" dirty="0" smtClean="0">
+                <a:solidFill>
+                  <a:srgbClr val="0000FF"/>
+                </a:solidFill>
+              </a:rPr>
+              <a:t> </a:t>
+            </a:r>
+            <a:r>
+              <a:rPr lang="en-US" dirty="0" smtClean="0">
+                <a:solidFill>
+                  <a:srgbClr val="0000FF"/>
+                </a:solidFill>
+              </a:rPr>
+              <a:t>Example-type questions</a:t>
+            </a:r>
+            <a:r>
+              <a:rPr lang="en-US" dirty="0" smtClean="0"/>
+              <a:t> (build a truth table; translate into predicates/quantifiers; prove a tautology) – method already known.  </a:t>
+            </a:r>
+          </a:p>
+          <a:p>
+            <a:r>
+              <a:rPr lang="en-US" dirty="0" smtClean="0">
+                <a:solidFill>
+                  <a:srgbClr val="0000FF"/>
+                </a:solidFill>
+              </a:rPr>
+              <a:t>(2)</a:t>
+            </a:r>
+            <a:r>
+              <a:rPr lang="en-US" baseline="0" dirty="0" smtClean="0">
+                <a:solidFill>
+                  <a:srgbClr val="0000FF"/>
+                </a:solidFill>
+              </a:rPr>
+              <a:t> </a:t>
+            </a:r>
+            <a:r>
+              <a:rPr lang="en-US" dirty="0" smtClean="0">
+                <a:solidFill>
+                  <a:srgbClr val="0000FF"/>
+                </a:solidFill>
+              </a:rPr>
+              <a:t>Problem-type questions </a:t>
+            </a:r>
+            <a:r>
+              <a:rPr lang="en-US" dirty="0" smtClean="0"/>
+              <a:t>(all the cases where the method has to be found; you have to improvise)</a:t>
+            </a:r>
+            <a:endParaRPr lang="lv-LV" dirty="0" smtClean="0"/>
+          </a:p>
+          <a:p>
+            <a:endParaRPr lang="lv-LV" dirty="0"/>
+          </a:p>
+        </p:txBody>
+      </p:sp>
+      <p:sp>
+        <p:nvSpPr>
+          <p:cNvPr id="4" name="Slide Number Placeholder 3"/>
+          <p:cNvSpPr>
+            <a:spLocks noGrp="1"/>
+          </p:cNvSpPr>
+          <p:nvPr>
+            <p:ph type="sldNum" sz="quarter" idx="10"/>
+          </p:nvPr>
+        </p:nvSpPr>
+        <p:spPr/>
+        <p:txBody>
+          <a:bodyPr/>
+          <a:lstStyle/>
+          <a:p>
+            <a:fld id="{5C566039-0D76-41FD-AC12-640C7F3A8E52}" type="slidenum">
+              <a:rPr lang="lv-LV" smtClean="0"/>
+              <a:t>2</a:t>
+            </a:fld>
+            <a:endParaRPr lang="lv-LV"/>
+          </a:p>
+        </p:txBody>
+      </p:sp>
+    </p:spTree>
+    <p:extLst>
+      <p:ext uri="{BB962C8B-B14F-4D97-AF65-F5344CB8AC3E}">
+        <p14:creationId xmlns:p14="http://schemas.microsoft.com/office/powerpoint/2010/main" val="4035069263"/>
+      </p:ext>
+    </p:extLst>
+  </p:cSld>
+  <p:clrMapOvr>
+    <a:masterClrMapping/>
+  </p:clrMapOvr>
+</p:notes>
+</file>
+
 <file path=ppt/slideLayouts/slideLayout1.xml><?xml version="1.0" encoding="utf-8"?>
 <p:sldLayout xmlns:a="http://schemas.openxmlformats.org/drawingml/2006/main" xmlns:r="http://schemas.openxmlformats.org/officeDocument/2006/relationships" xmlns:p="http://schemas.openxmlformats.org/presentationml/2006/main" type="title" preserve="1">
   <p:cSld name="Title Slide">
@@ -679,7 +830,7 @@
           <a:p>
             <a:fld id="{5ADEB7B1-3A76-4692-AABD-C23989DC5F71}" type="datetimeFigureOut">
               <a:rPr lang="lv-LV" smtClean="0"/>
-              <a:t>07.02.2021</a:t>
+              <a:t>05.04.2021</a:t>
             </a:fld>
             <a:endParaRPr lang="lv-LV"/>
           </a:p>
@@ -849,7 +1000,7 @@
           <a:p>
             <a:fld id="{5ADEB7B1-3A76-4692-AABD-C23989DC5F71}" type="datetimeFigureOut">
               <a:rPr lang="lv-LV" smtClean="0"/>
-              <a:t>07.02.2021</a:t>
+              <a:t>05.04.2021</a:t>
             </a:fld>
             <a:endParaRPr lang="lv-LV"/>
           </a:p>
@@ -1029,7 +1180,7 @@
           <a:p>
             <a:fld id="{5ADEB7B1-3A76-4692-AABD-C23989DC5F71}" type="datetimeFigureOut">
               <a:rPr lang="lv-LV" smtClean="0"/>
-              <a:t>07.02.2021</a:t>
+              <a:t>05.04.2021</a:t>
             </a:fld>
             <a:endParaRPr lang="lv-LV"/>
           </a:p>
@@ -1199,7 +1350,7 @@
           <a:p>
             <a:fld id="{5ADEB7B1-3A76-4692-AABD-C23989DC5F71}" type="datetimeFigureOut">
               <a:rPr lang="lv-LV" smtClean="0"/>
-              <a:t>07.02.2021</a:t>
+              <a:t>05.04.2021</a:t>
             </a:fld>
             <a:endParaRPr lang="lv-LV"/>
           </a:p>
@@ -1445,7 +1596,7 @@
           <a:p>
             <a:fld id="{5ADEB7B1-3A76-4692-AABD-C23989DC5F71}" type="datetimeFigureOut">
               <a:rPr lang="lv-LV" smtClean="0"/>
-              <a:t>07.02.2021</a:t>
+              <a:t>05.04.2021</a:t>
             </a:fld>
             <a:endParaRPr lang="lv-LV"/>
           </a:p>
@@ -1677,7 +1828,7 @@
           <a:p>
             <a:fld id="{5ADEB7B1-3A76-4692-AABD-C23989DC5F71}" type="datetimeFigureOut">
               <a:rPr lang="lv-LV" smtClean="0"/>
-              <a:t>07.02.2021</a:t>
+              <a:t>05.04.2021</a:t>
             </a:fld>
             <a:endParaRPr lang="lv-LV"/>
           </a:p>
@@ -2044,7 +2195,7 @@
           <a:p>
             <a:fld id="{5ADEB7B1-3A76-4692-AABD-C23989DC5F71}" type="datetimeFigureOut">
               <a:rPr lang="lv-LV" smtClean="0"/>
-              <a:t>07.02.2021</a:t>
+              <a:t>05.04.2021</a:t>
             </a:fld>
             <a:endParaRPr lang="lv-LV"/>
           </a:p>
@@ -2162,7 +2313,7 @@
           <a:p>
             <a:fld id="{5ADEB7B1-3A76-4692-AABD-C23989DC5F71}" type="datetimeFigureOut">
               <a:rPr lang="lv-LV" smtClean="0"/>
-              <a:t>07.02.2021</a:t>
+              <a:t>05.04.2021</a:t>
             </a:fld>
             <a:endParaRPr lang="lv-LV"/>
           </a:p>
@@ -2257,7 +2408,7 @@
           <a:p>
             <a:fld id="{5ADEB7B1-3A76-4692-AABD-C23989DC5F71}" type="datetimeFigureOut">
               <a:rPr lang="lv-LV" smtClean="0"/>
-              <a:t>07.02.2021</a:t>
+              <a:t>05.04.2021</a:t>
             </a:fld>
             <a:endParaRPr lang="lv-LV"/>
           </a:p>
@@ -2534,7 +2685,7 @@
           <a:p>
             <a:fld id="{5ADEB7B1-3A76-4692-AABD-C23989DC5F71}" type="datetimeFigureOut">
               <a:rPr lang="lv-LV" smtClean="0"/>
-              <a:t>07.02.2021</a:t>
+              <a:t>05.04.2021</a:t>
             </a:fld>
             <a:endParaRPr lang="lv-LV"/>
           </a:p>
@@ -2787,7 +2938,7 @@
           <a:p>
             <a:fld id="{5ADEB7B1-3A76-4692-AABD-C23989DC5F71}" type="datetimeFigureOut">
               <a:rPr lang="lv-LV" smtClean="0"/>
-              <a:t>07.02.2021</a:t>
+              <a:t>05.04.2021</a:t>
             </a:fld>
             <a:endParaRPr lang="lv-LV"/>
           </a:p>
@@ -3000,7 +3151,7 @@
           <a:p>
             <a:fld id="{5ADEB7B1-3A76-4692-AABD-C23989DC5F71}" type="datetimeFigureOut">
               <a:rPr lang="lv-LV" smtClean="0"/>
-              <a:t>07.02.2021</a:t>
+              <a:t>05.04.2021</a:t>
             </a:fld>
             <a:endParaRPr lang="lv-LV"/>
           </a:p>
@@ -11845,11 +11996,7 @@
           <a:p>
             <a:r>
               <a:rPr lang="en-US" dirty="0" smtClean="0"/>
-              <a:t>An Open </a:t>
-            </a:r>
-            <a:r>
-              <a:rPr lang="en-US" dirty="0" smtClean="0"/>
-              <a:t>Problem</a:t>
+              <a:t>An Open Problem</a:t>
             </a:r>
             <a:r>
               <a:rPr lang="lv-LV" smtClean="0"/>
@@ -12776,206 +12923,6 @@
 </file>
 
 <file path=ppt/slides/slide4.xml><?xml version="1.0" encoding="utf-8"?>
-<p:sld xmlns:a="http://schemas.openxmlformats.org/drawingml/2006/main" xmlns:r="http://schemas.openxmlformats.org/officeDocument/2006/relationships" xmlns:p="http://schemas.openxmlformats.org/presentationml/2006/main">
-  <p:cSld>
-    <p:spTree>
-      <p:nvGrpSpPr>
-        <p:cNvPr id="1" name=""/>
-        <p:cNvGrpSpPr/>
-        <p:nvPr/>
-      </p:nvGrpSpPr>
-      <p:grpSpPr>
-        <a:xfrm>
-          <a:off x="0" y="0"/>
-          <a:ext cx="0" cy="0"/>
-          <a:chOff x="0" y="0"/>
-          <a:chExt cx="0" cy="0"/>
-        </a:xfrm>
-      </p:grpSpPr>
-      <p:sp>
-        <p:nvSpPr>
-          <p:cNvPr id="4" name="Title 3"/>
-          <p:cNvSpPr>
-            <a:spLocks noGrp="1"/>
-          </p:cNvSpPr>
-          <p:nvPr>
-            <p:ph type="title"/>
-          </p:nvPr>
-        </p:nvSpPr>
-        <p:spPr/>
-        <p:txBody>
-          <a:bodyPr/>
-          <a:lstStyle/>
-          <a:p>
-            <a:r>
-              <a:rPr lang="en-US" dirty="0" smtClean="0"/>
-              <a:t>Creativity Can be Learned up to a Point</a:t>
-            </a:r>
-            <a:br>
-              <a:rPr lang="en-US" dirty="0" smtClean="0"/>
-            </a:br>
-            <a:r>
-              <a:rPr lang="en-US" dirty="0" smtClean="0"/>
-              <a:t>(up to the patterns or "building blocks")</a:t>
-            </a:r>
-            <a:endParaRPr lang="lv-LV" dirty="0"/>
-          </a:p>
-        </p:txBody>
-      </p:sp>
-      <p:sp>
-        <p:nvSpPr>
-          <p:cNvPr id="5" name="Content Placeholder 4"/>
-          <p:cNvSpPr>
-            <a:spLocks noGrp="1"/>
-          </p:cNvSpPr>
-          <p:nvPr>
-            <p:ph sz="half" idx="1"/>
-          </p:nvPr>
-        </p:nvSpPr>
-        <p:spPr>
-          <a:xfrm>
-            <a:off x="838200" y="5643153"/>
-            <a:ext cx="5181600" cy="533809"/>
-          </a:xfrm>
-        </p:spPr>
-        <p:txBody>
-          <a:bodyPr>
-            <a:normAutofit lnSpcReduction="10000"/>
-          </a:bodyPr>
-          <a:lstStyle/>
-          <a:p>
-            <a:r>
-              <a:rPr lang="lv-LV" dirty="0">
-                <a:hlinkClick r:id="rId2"/>
-              </a:rPr>
-              <a:t>https://</a:t>
-            </a:r>
-            <a:r>
-              <a:rPr lang="lv-LV" dirty="0" smtClean="0">
-                <a:hlinkClick r:id="rId2"/>
-              </a:rPr>
-              <a:t>youtu.be/nubC3dktQ24</a:t>
-            </a:r>
-            <a:r>
-              <a:rPr lang="en-US" dirty="0" smtClean="0"/>
-              <a:t> </a:t>
-            </a:r>
-            <a:endParaRPr lang="lv-LV" dirty="0"/>
-          </a:p>
-        </p:txBody>
-      </p:sp>
-      <p:sp>
-        <p:nvSpPr>
-          <p:cNvPr id="11" name="Content Placeholder 10"/>
-          <p:cNvSpPr>
-            <a:spLocks noGrp="1"/>
-          </p:cNvSpPr>
-          <p:nvPr>
-            <p:ph sz="half" idx="2"/>
-          </p:nvPr>
-        </p:nvSpPr>
-        <p:spPr>
-          <a:xfrm>
-            <a:off x="7348400" y="1825625"/>
-            <a:ext cx="4005400" cy="4351338"/>
-          </a:xfrm>
-        </p:spPr>
-        <p:txBody>
-          <a:bodyPr>
-            <a:normAutofit lnSpcReduction="10000"/>
-          </a:bodyPr>
-          <a:lstStyle/>
-          <a:p>
-            <a:r>
-              <a:rPr lang="en-US" dirty="0" smtClean="0"/>
-              <a:t>In mathematics we typically distinguish 2 types of questions:</a:t>
-            </a:r>
-          </a:p>
-          <a:p>
-            <a:pPr lvl="1"/>
-            <a:r>
-              <a:rPr lang="en-US" dirty="0" smtClean="0">
-                <a:solidFill>
-                  <a:srgbClr val="0000FF"/>
-                </a:solidFill>
-              </a:rPr>
-              <a:t>Example-type questions</a:t>
-            </a:r>
-            <a:r>
-              <a:rPr lang="en-US" dirty="0" smtClean="0"/>
-              <a:t> (build a truth table; translate into predicates/quantifiers; prove a tautology) – method already known.</a:t>
-            </a:r>
-          </a:p>
-          <a:p>
-            <a:pPr lvl="1"/>
-            <a:r>
-              <a:rPr lang="en-US" dirty="0" smtClean="0">
-                <a:solidFill>
-                  <a:srgbClr val="0000FF"/>
-                </a:solidFill>
-              </a:rPr>
-              <a:t>Problem-type questions </a:t>
-            </a:r>
-            <a:r>
-              <a:rPr lang="en-US" dirty="0" smtClean="0"/>
-              <a:t>(all the cases where the method has to be found; you have to improvise)</a:t>
-            </a:r>
-            <a:endParaRPr lang="lv-LV" dirty="0"/>
-          </a:p>
-        </p:txBody>
-      </p:sp>
-      <p:pic>
-        <p:nvPicPr>
-          <p:cNvPr id="7" name="Picture 6"/>
-          <p:cNvPicPr>
-            <a:picLocks noChangeAspect="1"/>
-          </p:cNvPicPr>
-          <p:nvPr/>
-        </p:nvPicPr>
-        <p:blipFill>
-          <a:blip r:embed="rId3"/>
-          <a:stretch>
-            <a:fillRect/>
-          </a:stretch>
-        </p:blipFill>
-        <p:spPr>
-          <a:xfrm>
-            <a:off x="433250" y="1690688"/>
-            <a:ext cx="6915150" cy="3714750"/>
-          </a:xfrm>
-          <a:prstGeom prst="rect">
-            <a:avLst/>
-          </a:prstGeom>
-          <a:ln w="6350">
-            <a:solidFill>
-              <a:schemeClr val="bg1">
-                <a:lumMod val="75000"/>
-              </a:schemeClr>
-            </a:solidFill>
-          </a:ln>
-        </p:spPr>
-      </p:pic>
-    </p:spTree>
-    <p:extLst>
-      <p:ext uri="{BB962C8B-B14F-4D97-AF65-F5344CB8AC3E}">
-        <p14:creationId xmlns:p14="http://schemas.microsoft.com/office/powerpoint/2010/main" val="2853205650"/>
-      </p:ext>
-    </p:extLst>
-  </p:cSld>
-  <p:clrMapOvr>
-    <a:masterClrMapping/>
-  </p:clrMapOvr>
-  <p:timing>
-    <p:tnLst>
-      <p:par>
-        <p:cTn id="1" dur="indefinite" restart="never" nodeType="tmRoot"/>
-      </p:par>
-    </p:tnLst>
-  </p:timing>
-</p:sld>
-</file>
-
-<file path=ppt/slides/slide5.xml><?xml version="1.0" encoding="utf-8"?>
 <p:sld xmlns:a="http://schemas.openxmlformats.org/drawingml/2006/main" xmlns:r="http://schemas.openxmlformats.org/officeDocument/2006/relationships" xmlns:p="http://schemas.openxmlformats.org/presentationml/2006/main">
   <p:cSld>
     <p:spTree>
@@ -13162,7 +13109,7 @@
 </p:sld>
 </file>
 
-<file path=ppt/slides/slide6.xml><?xml version="1.0" encoding="utf-8"?>
+<file path=ppt/slides/slide5.xml><?xml version="1.0" encoding="utf-8"?>
 <p:sld xmlns:a="http://schemas.openxmlformats.org/drawingml/2006/main" xmlns:r="http://schemas.openxmlformats.org/officeDocument/2006/relationships" xmlns:p="http://schemas.openxmlformats.org/presentationml/2006/main">
   <p:cSld>
     <p:spTree>
@@ -13520,7 +13467,7 @@
 </p:sld>
 </file>
 
-<file path=ppt/slides/slide7.xml><?xml version="1.0" encoding="utf-8"?>
+<file path=ppt/slides/slide6.xml><?xml version="1.0" encoding="utf-8"?>
 <p:sld xmlns:a="http://schemas.openxmlformats.org/drawingml/2006/main" xmlns:r="http://schemas.openxmlformats.org/officeDocument/2006/relationships" xmlns:p="http://schemas.openxmlformats.org/presentationml/2006/main">
   <p:cSld>
     <p:spTree>
@@ -13722,6 +13669,755 @@
 </p:sld>
 </file>
 
+<file path=ppt/slides/slide7.xml><?xml version="1.0" encoding="utf-8"?>
+<p:sld xmlns:a="http://schemas.openxmlformats.org/drawingml/2006/main" xmlns:r="http://schemas.openxmlformats.org/officeDocument/2006/relationships" xmlns:p="http://schemas.openxmlformats.org/presentationml/2006/main">
+  <p:cSld>
+    <p:spTree>
+      <p:nvGrpSpPr>
+        <p:cNvPr id="1" name=""/>
+        <p:cNvGrpSpPr/>
+        <p:nvPr/>
+      </p:nvGrpSpPr>
+      <p:grpSpPr>
+        <a:xfrm>
+          <a:off x="0" y="0"/>
+          <a:ext cx="0" cy="0"/>
+          <a:chOff x="0" y="0"/>
+          <a:chExt cx="0" cy="0"/>
+        </a:xfrm>
+      </p:grpSpPr>
+      <p:sp>
+        <p:nvSpPr>
+          <p:cNvPr id="2" name="Title 1"/>
+          <p:cNvSpPr>
+            <a:spLocks noGrp="1"/>
+          </p:cNvSpPr>
+          <p:nvPr>
+            <p:ph type="title"/>
+          </p:nvPr>
+        </p:nvSpPr>
+        <p:spPr/>
+        <p:txBody>
+          <a:bodyPr/>
+          <a:lstStyle/>
+          <a:p>
+            <a:r>
+              <a:rPr lang="en-US" dirty="0" smtClean="0"/>
+              <a:t>Proof by Cases</a:t>
+            </a:r>
+            <a:br>
+              <a:rPr lang="en-US" dirty="0" smtClean="0"/>
+            </a:br>
+            <a:r>
+              <a:rPr lang="en-US" dirty="0" smtClean="0">
+                <a:solidFill>
+                  <a:srgbClr val="0000FF"/>
+                </a:solidFill>
+              </a:rPr>
+              <a:t>(Exhaustive search / Brute force)</a:t>
+            </a:r>
+            <a:endParaRPr lang="en-US" dirty="0">
+              <a:solidFill>
+                <a:srgbClr val="0000FF"/>
+              </a:solidFill>
+            </a:endParaRPr>
+          </a:p>
+        </p:txBody>
+      </p:sp>
+      <p:sp>
+        <p:nvSpPr>
+          <p:cNvPr id="3" name="Content Placeholder 2"/>
+          <p:cNvSpPr>
+            <a:spLocks noGrp="1"/>
+          </p:cNvSpPr>
+          <p:nvPr>
+            <p:ph idx="1"/>
+          </p:nvPr>
+        </p:nvSpPr>
+        <p:spPr/>
+        <p:txBody>
+          <a:bodyPr>
+            <a:normAutofit fontScale="77500" lnSpcReduction="20000"/>
+          </a:bodyPr>
+          <a:lstStyle/>
+          <a:p>
+            <a:pPr>
+              <a:buNone/>
+            </a:pPr>
+            <a:r>
+              <a:rPr lang="en-US" b="1" dirty="0" smtClean="0"/>
+              <a:t>Example</a:t>
+            </a:r>
+            <a:r>
+              <a:rPr lang="en-US" dirty="0" smtClean="0"/>
+              <a:t>: Let  </a:t>
+            </a:r>
+            <a:r>
+              <a:rPr lang="en-US" i="1" dirty="0" smtClean="0"/>
+              <a:t>a</a:t>
+            </a:r>
+            <a:r>
+              <a:rPr lang="en-US" dirty="0" smtClean="0">
+                <a:sym typeface="Symbol"/>
+              </a:rPr>
+              <a:t> @ </a:t>
+            </a:r>
+            <a:r>
+              <a:rPr lang="en-US" i="1" dirty="0" smtClean="0">
+                <a:sym typeface="Symbol"/>
+              </a:rPr>
+              <a:t>b</a:t>
+            </a:r>
+            <a:r>
+              <a:rPr lang="en-US" dirty="0" smtClean="0">
+                <a:sym typeface="Symbol"/>
+              </a:rPr>
+              <a:t> = max{</a:t>
+            </a:r>
+            <a:r>
+              <a:rPr lang="en-US" i="1" dirty="0" smtClean="0">
+                <a:sym typeface="Symbol"/>
+              </a:rPr>
+              <a:t>a</a:t>
+            </a:r>
+            <a:r>
+              <a:rPr lang="en-US" dirty="0" smtClean="0">
+                <a:sym typeface="Symbol"/>
+              </a:rPr>
+              <a:t>, </a:t>
+            </a:r>
+            <a:r>
+              <a:rPr lang="en-US" i="1" dirty="0" smtClean="0">
+                <a:sym typeface="Symbol"/>
+              </a:rPr>
+              <a:t>b</a:t>
+            </a:r>
+            <a:r>
+              <a:rPr lang="en-US" dirty="0" smtClean="0">
+                <a:sym typeface="Symbol"/>
+              </a:rPr>
+              <a:t>} = a</a:t>
+            </a:r>
+            <a:r>
+              <a:rPr lang="en-US" i="1" dirty="0" smtClean="0">
+                <a:sym typeface="Symbol"/>
+              </a:rPr>
+              <a:t>  </a:t>
+            </a:r>
+            <a:r>
+              <a:rPr lang="en-US" dirty="0" smtClean="0">
+                <a:sym typeface="Symbol"/>
+              </a:rPr>
+              <a:t>if</a:t>
+            </a:r>
+            <a:r>
+              <a:rPr lang="en-US" dirty="0" smtClean="0"/>
+              <a:t> </a:t>
+            </a:r>
+            <a:r>
+              <a:rPr lang="en-US" i="1" dirty="0" smtClean="0"/>
+              <a:t>a</a:t>
+            </a:r>
+            <a:r>
+              <a:rPr lang="en-US" dirty="0" smtClean="0">
+                <a:latin typeface="Cambria Math"/>
+                <a:ea typeface="Cambria Math"/>
+              </a:rPr>
+              <a:t> ≥ </a:t>
+            </a:r>
+            <a:r>
+              <a:rPr lang="en-US" i="1" dirty="0" smtClean="0"/>
+              <a:t>b, </a:t>
+            </a:r>
+            <a:r>
+              <a:rPr lang="en-US" dirty="0" smtClean="0"/>
+              <a:t> </a:t>
+            </a:r>
+            <a:r>
+              <a:rPr lang="en-US" dirty="0" smtClean="0">
+                <a:sym typeface="Symbol"/>
+              </a:rPr>
+              <a:t>otherwise                   </a:t>
+            </a:r>
+            <a:r>
+              <a:rPr lang="en-US" dirty="0" smtClean="0"/>
+              <a:t> </a:t>
+            </a:r>
+            <a:r>
+              <a:rPr lang="en-US" i="1" dirty="0" smtClean="0"/>
+              <a:t>a</a:t>
+            </a:r>
+            <a:r>
+              <a:rPr lang="en-US" dirty="0" smtClean="0">
+                <a:sym typeface="Symbol"/>
+              </a:rPr>
+              <a:t> @ </a:t>
+            </a:r>
+            <a:r>
+              <a:rPr lang="en-US" i="1" dirty="0" smtClean="0">
+                <a:sym typeface="Symbol"/>
+              </a:rPr>
+              <a:t>b</a:t>
+            </a:r>
+            <a:r>
+              <a:rPr lang="en-US" dirty="0" smtClean="0">
+                <a:sym typeface="Symbol"/>
+              </a:rPr>
+              <a:t> = max{</a:t>
+            </a:r>
+            <a:r>
+              <a:rPr lang="en-US" i="1" dirty="0" smtClean="0">
+                <a:sym typeface="Symbol"/>
+              </a:rPr>
+              <a:t>a</a:t>
+            </a:r>
+            <a:r>
+              <a:rPr lang="en-US" dirty="0" smtClean="0">
+                <a:sym typeface="Symbol"/>
+              </a:rPr>
+              <a:t>, </a:t>
+            </a:r>
+            <a:r>
+              <a:rPr lang="en-US" i="1" dirty="0" smtClean="0">
+                <a:sym typeface="Symbol"/>
+              </a:rPr>
+              <a:t>b</a:t>
+            </a:r>
+            <a:r>
+              <a:rPr lang="en-US" dirty="0" smtClean="0">
+                <a:sym typeface="Symbol"/>
+              </a:rPr>
+              <a:t>} = </a:t>
+            </a:r>
+            <a:r>
+              <a:rPr lang="en-US" i="1" dirty="0" smtClean="0">
+                <a:sym typeface="Symbol"/>
+              </a:rPr>
+              <a:t>b.</a:t>
+            </a:r>
+            <a:r>
+              <a:rPr lang="en-US" dirty="0" smtClean="0">
+                <a:sym typeface="Symbol"/>
+              </a:rPr>
+              <a:t> </a:t>
+            </a:r>
+            <a:endParaRPr lang="en-US" i="1" dirty="0" smtClean="0">
+              <a:sym typeface="Symbol"/>
+            </a:endParaRPr>
+          </a:p>
+          <a:p>
+            <a:pPr>
+              <a:buNone/>
+            </a:pPr>
+            <a:r>
+              <a:rPr lang="en-US" dirty="0" smtClean="0">
+                <a:sym typeface="Symbol"/>
+              </a:rPr>
+              <a:t>Show that for all  real numbers </a:t>
+            </a:r>
+            <a:r>
+              <a:rPr lang="en-US" i="1" dirty="0" smtClean="0">
+                <a:sym typeface="Symbol"/>
+              </a:rPr>
+              <a:t>a</a:t>
+            </a:r>
+            <a:r>
+              <a:rPr lang="en-US" dirty="0" smtClean="0">
+                <a:sym typeface="Symbol"/>
+              </a:rPr>
+              <a:t>, </a:t>
+            </a:r>
+            <a:r>
+              <a:rPr lang="en-US" i="1" dirty="0" smtClean="0">
+                <a:sym typeface="Symbol"/>
+              </a:rPr>
+              <a:t>b</a:t>
+            </a:r>
+            <a:r>
+              <a:rPr lang="en-US" dirty="0" smtClean="0">
+                <a:sym typeface="Symbol"/>
+              </a:rPr>
+              <a:t>, </a:t>
+            </a:r>
+            <a:r>
+              <a:rPr lang="en-US" i="1" dirty="0" smtClean="0">
+                <a:sym typeface="Symbol"/>
+              </a:rPr>
+              <a:t>c</a:t>
+            </a:r>
+            <a:r>
+              <a:rPr lang="en-US" dirty="0" smtClean="0">
+                <a:sym typeface="Symbol"/>
+              </a:rPr>
+              <a:t> </a:t>
+            </a:r>
+          </a:p>
+          <a:p>
+            <a:pPr>
+              <a:buNone/>
+            </a:pPr>
+            <a:r>
+              <a:rPr lang="en-US" dirty="0" smtClean="0">
+                <a:sym typeface="Symbol"/>
+              </a:rPr>
+              <a:t>                (a @b) @ c = a @ (b @ c)</a:t>
+            </a:r>
+          </a:p>
+          <a:p>
+            <a:pPr>
+              <a:buNone/>
+            </a:pPr>
+            <a:r>
+              <a:rPr lang="en-US" dirty="0" smtClean="0">
+                <a:sym typeface="Symbol"/>
+              </a:rPr>
+              <a:t>(This means the operation @ is associative.)</a:t>
+            </a:r>
+          </a:p>
+          <a:p>
+            <a:pPr>
+              <a:buNone/>
+            </a:pPr>
+            <a:r>
+              <a:rPr lang="en-US" b="1" dirty="0" smtClean="0">
+                <a:sym typeface="Symbol"/>
+              </a:rPr>
+              <a:t>Proof</a:t>
+            </a:r>
+            <a:r>
+              <a:rPr lang="en-US" dirty="0" smtClean="0">
+                <a:sym typeface="Symbol"/>
+              </a:rPr>
+              <a:t>: Let </a:t>
+            </a:r>
+            <a:r>
+              <a:rPr lang="en-US" i="1" dirty="0" smtClean="0">
+                <a:sym typeface="Symbol"/>
+              </a:rPr>
+              <a:t>a</a:t>
+            </a:r>
+            <a:r>
+              <a:rPr lang="en-US" dirty="0" smtClean="0">
+                <a:sym typeface="Symbol"/>
+              </a:rPr>
+              <a:t>, </a:t>
+            </a:r>
+            <a:r>
+              <a:rPr lang="en-US" i="1" dirty="0" smtClean="0">
+                <a:sym typeface="Symbol"/>
+              </a:rPr>
+              <a:t>b</a:t>
+            </a:r>
+            <a:r>
+              <a:rPr lang="en-US" dirty="0" smtClean="0">
+                <a:sym typeface="Symbol"/>
+              </a:rPr>
+              <a:t>, and </a:t>
+            </a:r>
+            <a:r>
+              <a:rPr lang="en-US" i="1" dirty="0" smtClean="0">
+                <a:sym typeface="Symbol"/>
+              </a:rPr>
+              <a:t>c</a:t>
+            </a:r>
+            <a:r>
+              <a:rPr lang="en-US" dirty="0" smtClean="0">
+                <a:sym typeface="Symbol"/>
+              </a:rPr>
+              <a:t> be arbitrary real numbers.</a:t>
+            </a:r>
+          </a:p>
+          <a:p>
+            <a:pPr>
+              <a:buNone/>
+            </a:pPr>
+            <a:r>
+              <a:rPr lang="en-US" dirty="0" smtClean="0">
+                <a:sym typeface="Symbol"/>
+              </a:rPr>
+              <a:t>Then one of the following 6 cases must hold. </a:t>
+            </a:r>
+          </a:p>
+          <a:p>
+            <a:pPr marL="514350" indent="-514350">
+              <a:buFont typeface="+mj-lt"/>
+              <a:buAutoNum type="arabicPeriod"/>
+            </a:pPr>
+            <a:r>
+              <a:rPr lang="en-US" i="1" dirty="0" smtClean="0">
+                <a:sym typeface="Symbol"/>
+              </a:rPr>
+              <a:t>a</a:t>
+            </a:r>
+            <a:r>
+              <a:rPr lang="en-US" dirty="0" smtClean="0">
+                <a:sym typeface="Symbol"/>
+              </a:rPr>
+              <a:t> </a:t>
+            </a:r>
+            <a:r>
+              <a:rPr lang="en-US" dirty="0" smtClean="0">
+                <a:latin typeface="Cambria Math"/>
+                <a:ea typeface="Cambria Math"/>
+                <a:sym typeface="Symbol"/>
+              </a:rPr>
+              <a:t>≥ </a:t>
+            </a:r>
+            <a:r>
+              <a:rPr lang="en-US" i="1" dirty="0" smtClean="0">
+                <a:latin typeface="Cambria Math"/>
+                <a:ea typeface="Cambria Math"/>
+                <a:sym typeface="Symbol"/>
+              </a:rPr>
+              <a:t>b</a:t>
+            </a:r>
+            <a:r>
+              <a:rPr lang="en-US" dirty="0" smtClean="0">
+                <a:latin typeface="Cambria Math"/>
+                <a:ea typeface="Cambria Math"/>
+                <a:sym typeface="Symbol"/>
+              </a:rPr>
+              <a:t> ≥ </a:t>
+            </a:r>
+            <a:r>
+              <a:rPr lang="en-US" i="1" dirty="0" smtClean="0">
+                <a:latin typeface="Cambria Math"/>
+                <a:ea typeface="Cambria Math"/>
+                <a:sym typeface="Symbol"/>
+              </a:rPr>
+              <a:t>c</a:t>
+            </a:r>
+          </a:p>
+          <a:p>
+            <a:pPr marL="514350" indent="-514350">
+              <a:buFont typeface="+mj-lt"/>
+              <a:buAutoNum type="arabicPeriod"/>
+            </a:pPr>
+            <a:r>
+              <a:rPr lang="en-US" i="1" dirty="0" smtClean="0">
+                <a:sym typeface="Symbol"/>
+              </a:rPr>
+              <a:t>a</a:t>
+            </a:r>
+            <a:r>
+              <a:rPr lang="en-US" dirty="0" smtClean="0">
+                <a:sym typeface="Symbol"/>
+              </a:rPr>
+              <a:t> </a:t>
+            </a:r>
+            <a:r>
+              <a:rPr lang="en-US" dirty="0" smtClean="0">
+                <a:latin typeface="Cambria Math"/>
+                <a:ea typeface="Cambria Math"/>
+                <a:sym typeface="Symbol"/>
+              </a:rPr>
+              <a:t>≥ </a:t>
+            </a:r>
+            <a:r>
+              <a:rPr lang="en-US" i="1" dirty="0" smtClean="0">
+                <a:latin typeface="Cambria Math"/>
+                <a:ea typeface="Cambria Math"/>
+                <a:sym typeface="Symbol"/>
+              </a:rPr>
+              <a:t>c</a:t>
+            </a:r>
+            <a:r>
+              <a:rPr lang="en-US" dirty="0" smtClean="0">
+                <a:latin typeface="Cambria Math"/>
+                <a:ea typeface="Cambria Math"/>
+                <a:sym typeface="Symbol"/>
+              </a:rPr>
+              <a:t> ≥ </a:t>
+            </a:r>
+            <a:r>
+              <a:rPr lang="en-US" i="1" dirty="0" smtClean="0">
+                <a:latin typeface="Cambria Math"/>
+                <a:ea typeface="Cambria Math"/>
+                <a:sym typeface="Symbol"/>
+              </a:rPr>
+              <a:t>b</a:t>
+            </a:r>
+          </a:p>
+          <a:p>
+            <a:pPr marL="514350" indent="-514350">
+              <a:buFont typeface="+mj-lt"/>
+              <a:buAutoNum type="arabicPeriod"/>
+            </a:pPr>
+            <a:r>
+              <a:rPr lang="en-US" i="1" dirty="0" smtClean="0">
+                <a:sym typeface="Symbol"/>
+              </a:rPr>
+              <a:t>b</a:t>
+            </a:r>
+            <a:r>
+              <a:rPr lang="en-US" dirty="0" smtClean="0">
+                <a:sym typeface="Symbol"/>
+              </a:rPr>
+              <a:t> </a:t>
+            </a:r>
+            <a:r>
+              <a:rPr lang="en-US" dirty="0" smtClean="0">
+                <a:latin typeface="Cambria Math"/>
+                <a:ea typeface="Cambria Math"/>
+                <a:sym typeface="Symbol"/>
+              </a:rPr>
+              <a:t>≥ </a:t>
+            </a:r>
+            <a:r>
+              <a:rPr lang="en-US" i="1" dirty="0" smtClean="0">
+                <a:latin typeface="Cambria Math"/>
+                <a:ea typeface="Cambria Math"/>
+                <a:sym typeface="Symbol"/>
+              </a:rPr>
+              <a:t>a</a:t>
+            </a:r>
+            <a:r>
+              <a:rPr lang="en-US" dirty="0" smtClean="0">
+                <a:latin typeface="Cambria Math"/>
+                <a:ea typeface="Cambria Math"/>
+                <a:sym typeface="Symbol"/>
+              </a:rPr>
+              <a:t> ≥</a:t>
+            </a:r>
+            <a:r>
+              <a:rPr lang="en-US" i="1" dirty="0" smtClean="0">
+                <a:latin typeface="Cambria Math"/>
+                <a:ea typeface="Cambria Math"/>
+                <a:sym typeface="Symbol"/>
+              </a:rPr>
+              <a:t>c</a:t>
+            </a:r>
+          </a:p>
+          <a:p>
+            <a:pPr marL="514350" indent="-514350">
+              <a:buFont typeface="+mj-lt"/>
+              <a:buAutoNum type="arabicPeriod"/>
+            </a:pPr>
+            <a:r>
+              <a:rPr lang="en-US" i="1" dirty="0" smtClean="0">
+                <a:sym typeface="Symbol"/>
+              </a:rPr>
+              <a:t>b</a:t>
+            </a:r>
+            <a:r>
+              <a:rPr lang="en-US" dirty="0" smtClean="0">
+                <a:sym typeface="Symbol"/>
+              </a:rPr>
+              <a:t> </a:t>
+            </a:r>
+            <a:r>
+              <a:rPr lang="en-US" dirty="0" smtClean="0">
+                <a:latin typeface="Cambria Math"/>
+                <a:ea typeface="Cambria Math"/>
+                <a:sym typeface="Symbol"/>
+              </a:rPr>
+              <a:t>≥ </a:t>
+            </a:r>
+            <a:r>
+              <a:rPr lang="en-US" i="1" dirty="0" smtClean="0">
+                <a:latin typeface="Cambria Math"/>
+                <a:ea typeface="Cambria Math"/>
+                <a:sym typeface="Symbol"/>
+              </a:rPr>
+              <a:t>c</a:t>
+            </a:r>
+            <a:r>
+              <a:rPr lang="en-US" dirty="0" smtClean="0">
+                <a:latin typeface="Cambria Math"/>
+                <a:ea typeface="Cambria Math"/>
+                <a:sym typeface="Symbol"/>
+              </a:rPr>
+              <a:t> ≥</a:t>
+            </a:r>
+            <a:r>
+              <a:rPr lang="en-US" i="1" dirty="0" smtClean="0">
+                <a:latin typeface="Cambria Math"/>
+                <a:ea typeface="Cambria Math"/>
+                <a:sym typeface="Symbol"/>
+              </a:rPr>
+              <a:t>a</a:t>
+            </a:r>
+          </a:p>
+          <a:p>
+            <a:pPr marL="514350" indent="-514350">
+              <a:buFont typeface="+mj-lt"/>
+              <a:buAutoNum type="arabicPeriod"/>
+            </a:pPr>
+            <a:r>
+              <a:rPr lang="en-US" i="1" dirty="0" smtClean="0">
+                <a:sym typeface="Symbol"/>
+              </a:rPr>
+              <a:t>c</a:t>
+            </a:r>
+            <a:r>
+              <a:rPr lang="en-US" dirty="0" smtClean="0">
+                <a:sym typeface="Symbol"/>
+              </a:rPr>
+              <a:t> </a:t>
+            </a:r>
+            <a:r>
+              <a:rPr lang="en-US" dirty="0" smtClean="0">
+                <a:latin typeface="Cambria Math"/>
+                <a:ea typeface="Cambria Math"/>
+                <a:sym typeface="Symbol"/>
+              </a:rPr>
+              <a:t>≥ </a:t>
+            </a:r>
+            <a:r>
+              <a:rPr lang="en-US" i="1" dirty="0" smtClean="0">
+                <a:latin typeface="Cambria Math"/>
+                <a:ea typeface="Cambria Math"/>
+                <a:sym typeface="Symbol"/>
+              </a:rPr>
+              <a:t>a</a:t>
+            </a:r>
+            <a:r>
+              <a:rPr lang="en-US" dirty="0" smtClean="0">
+                <a:latin typeface="Cambria Math"/>
+                <a:ea typeface="Cambria Math"/>
+                <a:sym typeface="Symbol"/>
+              </a:rPr>
+              <a:t> ≥ </a:t>
+            </a:r>
+            <a:r>
+              <a:rPr lang="en-US" i="1" dirty="0" smtClean="0">
+                <a:latin typeface="Cambria Math"/>
+                <a:ea typeface="Cambria Math"/>
+                <a:sym typeface="Symbol"/>
+              </a:rPr>
+              <a:t>b</a:t>
+            </a:r>
+          </a:p>
+          <a:p>
+            <a:pPr marL="514350" indent="-514350">
+              <a:buFont typeface="+mj-lt"/>
+              <a:buAutoNum type="arabicPeriod"/>
+            </a:pPr>
+            <a:r>
+              <a:rPr lang="en-US" i="1" dirty="0" smtClean="0">
+                <a:sym typeface="Symbol"/>
+              </a:rPr>
+              <a:t>c</a:t>
+            </a:r>
+            <a:r>
+              <a:rPr lang="en-US" dirty="0" smtClean="0">
+                <a:sym typeface="Symbol"/>
+              </a:rPr>
+              <a:t> </a:t>
+            </a:r>
+            <a:r>
+              <a:rPr lang="en-US" dirty="0" smtClean="0">
+                <a:latin typeface="Cambria Math"/>
+                <a:ea typeface="Cambria Math"/>
+                <a:sym typeface="Symbol"/>
+              </a:rPr>
+              <a:t>≥ </a:t>
+            </a:r>
+            <a:r>
+              <a:rPr lang="en-US" i="1" dirty="0" smtClean="0">
+                <a:latin typeface="Cambria Math"/>
+                <a:ea typeface="Cambria Math"/>
+                <a:sym typeface="Symbol"/>
+              </a:rPr>
+              <a:t>b</a:t>
+            </a:r>
+            <a:r>
+              <a:rPr lang="en-US" dirty="0" smtClean="0">
+                <a:latin typeface="Cambria Math"/>
+                <a:ea typeface="Cambria Math"/>
+                <a:sym typeface="Symbol"/>
+              </a:rPr>
+              <a:t> ≥ </a:t>
+            </a:r>
+            <a:r>
+              <a:rPr lang="en-US" i="1" dirty="0" smtClean="0">
+                <a:latin typeface="Cambria Math"/>
+                <a:ea typeface="Cambria Math"/>
+                <a:sym typeface="Symbol"/>
+              </a:rPr>
+              <a:t>a</a:t>
+            </a:r>
+          </a:p>
+          <a:p>
+            <a:pPr marL="514350" indent="-514350">
+              <a:buFont typeface="+mj-lt"/>
+              <a:buAutoNum type="arabicPeriod"/>
+            </a:pPr>
+            <a:endParaRPr lang="en-US" dirty="0" smtClean="0">
+              <a:latin typeface="Cambria Math"/>
+              <a:ea typeface="Cambria Math"/>
+              <a:sym typeface="Symbol"/>
+            </a:endParaRPr>
+          </a:p>
+          <a:p>
+            <a:pPr marL="514350" indent="-514350">
+              <a:buFont typeface="+mj-lt"/>
+              <a:buAutoNum type="arabicPeriod"/>
+            </a:pPr>
+            <a:endParaRPr lang="en-US" dirty="0"/>
+          </a:p>
+        </p:txBody>
+      </p:sp>
+      <p:sp>
+        <p:nvSpPr>
+          <p:cNvPr id="4" name="TextBox 3"/>
+          <p:cNvSpPr txBox="1"/>
+          <p:nvPr/>
+        </p:nvSpPr>
+        <p:spPr>
+          <a:xfrm>
+            <a:off x="5410200" y="6019800"/>
+            <a:ext cx="3276600" cy="369332"/>
+          </a:xfrm>
+          <a:prstGeom prst="rect">
+            <a:avLst/>
+          </a:prstGeom>
+          <a:noFill/>
+        </p:spPr>
+        <p:txBody>
+          <a:bodyPr wrap="square" rtlCol="0">
+            <a:spAutoFit/>
+          </a:bodyPr>
+          <a:lstStyle/>
+          <a:p>
+            <a:r>
+              <a:rPr lang="en-US" i="1" dirty="0"/>
+              <a:t>Continued on next slide</a:t>
+            </a:r>
+            <a:r>
+              <a:rPr lang="en-US" dirty="0"/>
+              <a:t> </a:t>
+            </a:r>
+            <a:r>
+              <a:rPr lang="en-US" dirty="0">
+                <a:sym typeface="Wingdings" pitchFamily="2" charset="2"/>
+              </a:rPr>
+              <a:t></a:t>
+            </a:r>
+            <a:endParaRPr lang="en-US" dirty="0"/>
+          </a:p>
+        </p:txBody>
+      </p:sp>
+    </p:spTree>
+    <p:extLst>
+      <p:ext uri="{BB962C8B-B14F-4D97-AF65-F5344CB8AC3E}">
+        <p14:creationId xmlns:p14="http://schemas.microsoft.com/office/powerpoint/2010/main" val="969080605"/>
+      </p:ext>
+    </p:extLst>
+  </p:cSld>
+  <p:clrMapOvr>
+    <a:masterClrMapping/>
+  </p:clrMapOvr>
+  <p:timing>
+    <p:tnLst>
+      <p:par>
+        <p:cTn id="1" dur="indefinite" restart="never" nodeType="tmRoot"/>
+      </p:par>
+    </p:tnLst>
+  </p:timing>
+</p:sld>
+</file>
+
 <file path=ppt/slides/slide8.xml><?xml version="1.0" encoding="utf-8"?>
 <p:sld xmlns:a="http://schemas.openxmlformats.org/drawingml/2006/main" xmlns:r="http://schemas.openxmlformats.org/officeDocument/2006/relationships" xmlns:p="http://schemas.openxmlformats.org/presentationml/2006/main">
   <p:cSld>
@@ -13758,22 +14454,7 @@
               <a:rPr lang="en-US" dirty="0" smtClean="0"/>
               <a:t>Proof by Cases</a:t>
             </a:r>
-            <a:br>
-              <a:rPr lang="en-US" dirty="0" smtClean="0"/>
-            </a:br>
-            <a:r>
-              <a:rPr lang="en-US" dirty="0" smtClean="0">
-                <a:solidFill>
-                  <a:srgbClr val="0000FF"/>
-                </a:solidFill>
-              </a:rPr>
-              <a:t>(Exhaustive search / Brute force)</a:t>
-            </a:r>
-            <a:endParaRPr lang="en-US" dirty="0">
-              <a:solidFill>
-                <a:srgbClr val="0000FF"/>
-              </a:solidFill>
-            </a:endParaRPr>
+            <a:endParaRPr lang="en-US" dirty="0"/>
           </a:p>
         </p:txBody>
       </p:sp>
@@ -13790,615 +14471,124 @@
         <p:spPr/>
         <p:txBody>
           <a:bodyPr>
-            <a:normAutofit fontScale="77500" lnSpcReduction="20000"/>
+            <a:normAutofit/>
           </a:bodyPr>
           <a:lstStyle/>
           <a:p>
-            <a:pPr>
+            <a:pPr marL="514350" indent="-514350">
               <a:buNone/>
             </a:pPr>
             <a:r>
-              <a:rPr lang="en-US" b="1" dirty="0" smtClean="0"/>
-              <a:t>Example</a:t>
-            </a:r>
-            <a:r>
-              <a:rPr lang="en-US" dirty="0" smtClean="0"/>
-              <a:t>: Let  </a:t>
-            </a:r>
-            <a:r>
-              <a:rPr lang="en-US" i="1" dirty="0" smtClean="0"/>
-              <a:t>a</a:t>
-            </a:r>
-            <a:r>
-              <a:rPr lang="en-US" dirty="0" smtClean="0">
-                <a:sym typeface="Symbol"/>
-              </a:rPr>
-              <a:t> @ </a:t>
-            </a:r>
-            <a:r>
-              <a:rPr lang="en-US" i="1" dirty="0" smtClean="0">
-                <a:sym typeface="Symbol"/>
-              </a:rPr>
-              <a:t>b</a:t>
-            </a:r>
-            <a:r>
-              <a:rPr lang="en-US" dirty="0" smtClean="0">
-                <a:sym typeface="Symbol"/>
-              </a:rPr>
-              <a:t> = max{</a:t>
-            </a:r>
-            <a:r>
-              <a:rPr lang="en-US" i="1" dirty="0" smtClean="0">
-                <a:sym typeface="Symbol"/>
-              </a:rPr>
-              <a:t>a</a:t>
-            </a:r>
-            <a:r>
-              <a:rPr lang="en-US" dirty="0" smtClean="0">
-                <a:sym typeface="Symbol"/>
-              </a:rPr>
-              <a:t>, </a:t>
-            </a:r>
-            <a:r>
-              <a:rPr lang="en-US" i="1" dirty="0" smtClean="0">
-                <a:sym typeface="Symbol"/>
-              </a:rPr>
-              <a:t>b</a:t>
-            </a:r>
-            <a:r>
-              <a:rPr lang="en-US" dirty="0" smtClean="0">
-                <a:sym typeface="Symbol"/>
-              </a:rPr>
-              <a:t>} = a</a:t>
-            </a:r>
-            <a:r>
-              <a:rPr lang="en-US" i="1" dirty="0" smtClean="0">
-                <a:sym typeface="Symbol"/>
-              </a:rPr>
-              <a:t>  </a:t>
-            </a:r>
-            <a:r>
-              <a:rPr lang="en-US" dirty="0" smtClean="0">
-                <a:sym typeface="Symbol"/>
-              </a:rPr>
-              <a:t>if</a:t>
-            </a:r>
-            <a:r>
-              <a:rPr lang="en-US" dirty="0" smtClean="0"/>
-              <a:t> </a:t>
-            </a:r>
-            <a:r>
-              <a:rPr lang="en-US" i="1" dirty="0" smtClean="0"/>
-              <a:t>a</a:t>
-            </a:r>
-            <a:r>
-              <a:rPr lang="en-US" dirty="0" smtClean="0">
-                <a:latin typeface="Cambria Math"/>
-                <a:ea typeface="Cambria Math"/>
-              </a:rPr>
-              <a:t> ≥ </a:t>
-            </a:r>
-            <a:r>
-              <a:rPr lang="en-US" i="1" dirty="0" smtClean="0"/>
-              <a:t>b, </a:t>
-            </a:r>
-            <a:r>
-              <a:rPr lang="en-US" dirty="0" smtClean="0"/>
-              <a:t> </a:t>
-            </a:r>
-            <a:r>
-              <a:rPr lang="en-US" dirty="0" smtClean="0">
-                <a:sym typeface="Symbol"/>
-              </a:rPr>
-              <a:t>otherwise                   </a:t>
-            </a:r>
-            <a:r>
-              <a:rPr lang="en-US" dirty="0" smtClean="0"/>
-              <a:t> </a:t>
-            </a:r>
-            <a:r>
-              <a:rPr lang="en-US" i="1" dirty="0" smtClean="0"/>
-              <a:t>a</a:t>
-            </a:r>
-            <a:r>
-              <a:rPr lang="en-US" dirty="0" smtClean="0">
-                <a:sym typeface="Symbol"/>
-              </a:rPr>
-              <a:t> @ </a:t>
-            </a:r>
-            <a:r>
-              <a:rPr lang="en-US" i="1" dirty="0" smtClean="0">
-                <a:sym typeface="Symbol"/>
-              </a:rPr>
-              <a:t>b</a:t>
-            </a:r>
-            <a:r>
-              <a:rPr lang="en-US" dirty="0" smtClean="0">
-                <a:sym typeface="Symbol"/>
-              </a:rPr>
-              <a:t> = max{</a:t>
-            </a:r>
-            <a:r>
-              <a:rPr lang="en-US" i="1" dirty="0" smtClean="0">
-                <a:sym typeface="Symbol"/>
-              </a:rPr>
-              <a:t>a</a:t>
-            </a:r>
-            <a:r>
-              <a:rPr lang="en-US" dirty="0" smtClean="0">
-                <a:sym typeface="Symbol"/>
-              </a:rPr>
-              <a:t>, </a:t>
-            </a:r>
-            <a:r>
-              <a:rPr lang="en-US" i="1" dirty="0" smtClean="0">
-                <a:sym typeface="Symbol"/>
-              </a:rPr>
-              <a:t>b</a:t>
-            </a:r>
-            <a:r>
-              <a:rPr lang="en-US" dirty="0" smtClean="0">
-                <a:sym typeface="Symbol"/>
-              </a:rPr>
-              <a:t>} = </a:t>
-            </a:r>
-            <a:r>
-              <a:rPr lang="en-US" i="1" dirty="0" smtClean="0">
-                <a:sym typeface="Symbol"/>
-              </a:rPr>
-              <a:t>b.</a:t>
-            </a:r>
-            <a:r>
-              <a:rPr lang="en-US" dirty="0" smtClean="0">
-                <a:sym typeface="Symbol"/>
-              </a:rPr>
-              <a:t> </a:t>
-            </a:r>
-            <a:endParaRPr lang="en-US" i="1" dirty="0" smtClean="0">
+              <a:rPr lang="en-US" dirty="0" smtClean="0">
+                <a:sym typeface="Symbol"/>
+              </a:rPr>
+              <a:t>Case </a:t>
+            </a:r>
+            <a:r>
+              <a:rPr lang="en-US" dirty="0" smtClean="0">
+                <a:latin typeface="Cambria Math" pitchFamily="18" charset="0"/>
+                <a:ea typeface="Cambria Math" pitchFamily="18" charset="0"/>
+                <a:sym typeface="Symbol"/>
+              </a:rPr>
+              <a:t>1</a:t>
+            </a:r>
+            <a:r>
+              <a:rPr lang="en-US" dirty="0" smtClean="0">
+                <a:sym typeface="Symbol"/>
+              </a:rPr>
+              <a:t>: a </a:t>
+            </a:r>
+            <a:r>
+              <a:rPr lang="en-US" dirty="0" smtClean="0">
+                <a:latin typeface="Cambria Math"/>
+                <a:ea typeface="Cambria Math"/>
+                <a:sym typeface="Symbol"/>
+              </a:rPr>
+              <a:t>≥ b ≥ c</a:t>
+            </a:r>
+            <a:endParaRPr lang="en-US" dirty="0" smtClean="0">
               <a:sym typeface="Symbol"/>
             </a:endParaRPr>
           </a:p>
           <a:p>
-            <a:pPr>
+            <a:pPr marL="514350" indent="-514350">
               <a:buNone/>
             </a:pPr>
             <a:r>
               <a:rPr lang="en-US" dirty="0" smtClean="0">
                 <a:sym typeface="Symbol"/>
               </a:rPr>
-              <a:t>Show that for all  real numbers </a:t>
-            </a:r>
-            <a:r>
-              <a:rPr lang="en-US" i="1" dirty="0" smtClean="0">
-                <a:sym typeface="Symbol"/>
-              </a:rPr>
-              <a:t>a</a:t>
-            </a:r>
-            <a:r>
-              <a:rPr lang="en-US" dirty="0" smtClean="0">
-                <a:sym typeface="Symbol"/>
-              </a:rPr>
-              <a:t>, </a:t>
-            </a:r>
-            <a:r>
-              <a:rPr lang="en-US" i="1" dirty="0" smtClean="0">
-                <a:sym typeface="Symbol"/>
-              </a:rPr>
-              <a:t>b</a:t>
-            </a:r>
-            <a:r>
-              <a:rPr lang="en-US" dirty="0" smtClean="0">
-                <a:sym typeface="Symbol"/>
-              </a:rPr>
-              <a:t>, </a:t>
-            </a:r>
-            <a:r>
-              <a:rPr lang="en-US" i="1" dirty="0" smtClean="0">
-                <a:sym typeface="Symbol"/>
-              </a:rPr>
-              <a:t>c</a:t>
-            </a:r>
-            <a:r>
-              <a:rPr lang="en-US" dirty="0" smtClean="0">
-                <a:sym typeface="Symbol"/>
-              </a:rPr>
-              <a:t> </a:t>
-            </a:r>
-          </a:p>
-          <a:p>
-            <a:pPr>
+              <a:t>(a @ b) = a, a @ c = a, b @ c = b</a:t>
+            </a:r>
+          </a:p>
+          <a:p>
+            <a:pPr marL="514350" indent="-514350">
               <a:buNone/>
             </a:pPr>
             <a:r>
               <a:rPr lang="en-US" dirty="0" smtClean="0">
                 <a:sym typeface="Symbol"/>
               </a:rPr>
-              <a:t>                (a @b) @ c = a @ (b @ c)</a:t>
-            </a:r>
-          </a:p>
-          <a:p>
-            <a:pPr>
+              <a:t>Hence (a @ b) @ c = a = a @ (b @ c)</a:t>
+            </a:r>
+          </a:p>
+          <a:p>
+            <a:pPr marL="514350" indent="-514350">
               <a:buNone/>
             </a:pPr>
             <a:r>
               <a:rPr lang="en-US" dirty="0" smtClean="0">
                 <a:sym typeface="Symbol"/>
               </a:rPr>
-              <a:t>(This means the operation @ is associative.)</a:t>
-            </a:r>
-          </a:p>
-          <a:p>
-            <a:pPr>
+              <a:t>Therefore the equality holds for the first case.</a:t>
+            </a:r>
+          </a:p>
+          <a:p>
+            <a:pPr marL="514350" indent="-514350">
               <a:buNone/>
             </a:pPr>
-            <a:r>
-              <a:rPr lang="en-US" b="1" dirty="0" smtClean="0">
-                <a:sym typeface="Symbol"/>
-              </a:rPr>
-              <a:t>Proof</a:t>
-            </a:r>
-            <a:r>
-              <a:rPr lang="en-US" dirty="0" smtClean="0">
-                <a:sym typeface="Symbol"/>
-              </a:rPr>
-              <a:t>: Let </a:t>
-            </a:r>
-            <a:r>
-              <a:rPr lang="en-US" i="1" dirty="0" smtClean="0">
-                <a:sym typeface="Symbol"/>
-              </a:rPr>
-              <a:t>a</a:t>
-            </a:r>
-            <a:r>
-              <a:rPr lang="en-US" dirty="0" smtClean="0">
-                <a:sym typeface="Symbol"/>
-              </a:rPr>
-              <a:t>, </a:t>
-            </a:r>
-            <a:r>
-              <a:rPr lang="en-US" i="1" dirty="0" smtClean="0">
-                <a:sym typeface="Symbol"/>
-              </a:rPr>
-              <a:t>b</a:t>
-            </a:r>
-            <a:r>
-              <a:rPr lang="en-US" dirty="0" smtClean="0">
-                <a:sym typeface="Symbol"/>
-              </a:rPr>
-              <a:t>, and </a:t>
-            </a:r>
-            <a:r>
-              <a:rPr lang="en-US" i="1" dirty="0" smtClean="0">
-                <a:sym typeface="Symbol"/>
-              </a:rPr>
-              <a:t>c</a:t>
-            </a:r>
-            <a:r>
-              <a:rPr lang="en-US" dirty="0" smtClean="0">
-                <a:sym typeface="Symbol"/>
-              </a:rPr>
-              <a:t> be arbitrary real numbers.</a:t>
-            </a:r>
-          </a:p>
-          <a:p>
-            <a:pPr>
+            <a:endParaRPr lang="en-US" dirty="0">
+              <a:sym typeface="Symbol"/>
+            </a:endParaRPr>
+          </a:p>
+          <a:p>
+            <a:pPr marL="514350" indent="-514350">
               <a:buNone/>
             </a:pPr>
             <a:r>
               <a:rPr lang="en-US" dirty="0" smtClean="0">
                 <a:sym typeface="Symbol"/>
               </a:rPr>
-              <a:t>Then one of the following 6 cases must hold. </a:t>
+              <a:t>A complete proof requires that the equality be shown to hold for all 6 cases. But the proofs of the remaining cases are similar. Try them.</a:t>
             </a:r>
           </a:p>
           <a:p>
             <a:pPr marL="514350" indent="-514350">
-              <a:buFont typeface="+mj-lt"/>
-              <a:buAutoNum type="arabicPeriod"/>
-            </a:pPr>
-            <a:r>
-              <a:rPr lang="en-US" i="1" dirty="0" smtClean="0">
-                <a:sym typeface="Symbol"/>
-              </a:rPr>
-              <a:t>a</a:t>
-            </a:r>
-            <a:r>
-              <a:rPr lang="en-US" dirty="0" smtClean="0">
-                <a:sym typeface="Symbol"/>
-              </a:rPr>
-              <a:t> </a:t>
-            </a:r>
-            <a:r>
-              <a:rPr lang="en-US" dirty="0" smtClean="0">
-                <a:latin typeface="Cambria Math"/>
-                <a:ea typeface="Cambria Math"/>
-                <a:sym typeface="Symbol"/>
-              </a:rPr>
-              <a:t>≥ </a:t>
-            </a:r>
-            <a:r>
-              <a:rPr lang="en-US" i="1" dirty="0" smtClean="0">
-                <a:latin typeface="Cambria Math"/>
-                <a:ea typeface="Cambria Math"/>
-                <a:sym typeface="Symbol"/>
-              </a:rPr>
-              <a:t>b</a:t>
-            </a:r>
-            <a:r>
-              <a:rPr lang="en-US" dirty="0" smtClean="0">
-                <a:latin typeface="Cambria Math"/>
-                <a:ea typeface="Cambria Math"/>
-                <a:sym typeface="Symbol"/>
-              </a:rPr>
-              <a:t> ≥ </a:t>
-            </a:r>
-            <a:r>
-              <a:rPr lang="en-US" i="1" dirty="0" smtClean="0">
-                <a:latin typeface="Cambria Math"/>
-                <a:ea typeface="Cambria Math"/>
-                <a:sym typeface="Symbol"/>
-              </a:rPr>
-              <a:t>c</a:t>
-            </a:r>
-          </a:p>
-          <a:p>
-            <a:pPr marL="514350" indent="-514350">
-              <a:buFont typeface="+mj-lt"/>
-              <a:buAutoNum type="arabicPeriod"/>
-            </a:pPr>
-            <a:r>
-              <a:rPr lang="en-US" i="1" dirty="0" smtClean="0">
-                <a:sym typeface="Symbol"/>
-              </a:rPr>
-              <a:t>a</a:t>
-            </a:r>
-            <a:r>
-              <a:rPr lang="en-US" dirty="0" smtClean="0">
-                <a:sym typeface="Symbol"/>
-              </a:rPr>
-              <a:t> </a:t>
-            </a:r>
-            <a:r>
-              <a:rPr lang="en-US" dirty="0" smtClean="0">
-                <a:latin typeface="Cambria Math"/>
-                <a:ea typeface="Cambria Math"/>
-                <a:sym typeface="Symbol"/>
-              </a:rPr>
-              <a:t>≥ </a:t>
-            </a:r>
-            <a:r>
-              <a:rPr lang="en-US" i="1" dirty="0" smtClean="0">
-                <a:latin typeface="Cambria Math"/>
-                <a:ea typeface="Cambria Math"/>
-                <a:sym typeface="Symbol"/>
-              </a:rPr>
-              <a:t>c</a:t>
-            </a:r>
-            <a:r>
-              <a:rPr lang="en-US" dirty="0" smtClean="0">
-                <a:latin typeface="Cambria Math"/>
-                <a:ea typeface="Cambria Math"/>
-                <a:sym typeface="Symbol"/>
-              </a:rPr>
-              <a:t> ≥ </a:t>
-            </a:r>
-            <a:r>
-              <a:rPr lang="en-US" i="1" dirty="0" smtClean="0">
-                <a:latin typeface="Cambria Math"/>
-                <a:ea typeface="Cambria Math"/>
-                <a:sym typeface="Symbol"/>
-              </a:rPr>
-              <a:t>b</a:t>
-            </a:r>
-          </a:p>
-          <a:p>
-            <a:pPr marL="514350" indent="-514350">
-              <a:buFont typeface="+mj-lt"/>
-              <a:buAutoNum type="arabicPeriod"/>
-            </a:pPr>
-            <a:r>
-              <a:rPr lang="en-US" i="1" dirty="0" smtClean="0">
-                <a:sym typeface="Symbol"/>
-              </a:rPr>
-              <a:t>b</a:t>
-            </a:r>
-            <a:r>
-              <a:rPr lang="en-US" dirty="0" smtClean="0">
-                <a:sym typeface="Symbol"/>
-              </a:rPr>
-              <a:t> </a:t>
-            </a:r>
-            <a:r>
-              <a:rPr lang="en-US" dirty="0" smtClean="0">
-                <a:latin typeface="Cambria Math"/>
-                <a:ea typeface="Cambria Math"/>
-                <a:sym typeface="Symbol"/>
-              </a:rPr>
-              <a:t>≥ </a:t>
-            </a:r>
-            <a:r>
-              <a:rPr lang="en-US" i="1" dirty="0" smtClean="0">
-                <a:latin typeface="Cambria Math"/>
-                <a:ea typeface="Cambria Math"/>
-                <a:sym typeface="Symbol"/>
-              </a:rPr>
-              <a:t>a</a:t>
-            </a:r>
-            <a:r>
-              <a:rPr lang="en-US" dirty="0" smtClean="0">
-                <a:latin typeface="Cambria Math"/>
-                <a:ea typeface="Cambria Math"/>
-                <a:sym typeface="Symbol"/>
-              </a:rPr>
-              <a:t> ≥</a:t>
-            </a:r>
-            <a:r>
-              <a:rPr lang="en-US" i="1" dirty="0" smtClean="0">
-                <a:latin typeface="Cambria Math"/>
-                <a:ea typeface="Cambria Math"/>
-                <a:sym typeface="Symbol"/>
-              </a:rPr>
-              <a:t>c</a:t>
-            </a:r>
-          </a:p>
-          <a:p>
-            <a:pPr marL="514350" indent="-514350">
-              <a:buFont typeface="+mj-lt"/>
-              <a:buAutoNum type="arabicPeriod"/>
-            </a:pPr>
-            <a:r>
-              <a:rPr lang="en-US" i="1" dirty="0" smtClean="0">
-                <a:sym typeface="Symbol"/>
-              </a:rPr>
-              <a:t>b</a:t>
-            </a:r>
-            <a:r>
-              <a:rPr lang="en-US" dirty="0" smtClean="0">
-                <a:sym typeface="Symbol"/>
-              </a:rPr>
-              <a:t> </a:t>
-            </a:r>
-            <a:r>
-              <a:rPr lang="en-US" dirty="0" smtClean="0">
-                <a:latin typeface="Cambria Math"/>
-                <a:ea typeface="Cambria Math"/>
-                <a:sym typeface="Symbol"/>
-              </a:rPr>
-              <a:t>≥ </a:t>
-            </a:r>
-            <a:r>
-              <a:rPr lang="en-US" i="1" dirty="0" smtClean="0">
-                <a:latin typeface="Cambria Math"/>
-                <a:ea typeface="Cambria Math"/>
-                <a:sym typeface="Symbol"/>
-              </a:rPr>
-              <a:t>c</a:t>
-            </a:r>
-            <a:r>
-              <a:rPr lang="en-US" dirty="0" smtClean="0">
-                <a:latin typeface="Cambria Math"/>
-                <a:ea typeface="Cambria Math"/>
-                <a:sym typeface="Symbol"/>
-              </a:rPr>
-              <a:t> ≥</a:t>
-            </a:r>
-            <a:r>
-              <a:rPr lang="en-US" i="1" dirty="0" smtClean="0">
-                <a:latin typeface="Cambria Math"/>
-                <a:ea typeface="Cambria Math"/>
-                <a:sym typeface="Symbol"/>
-              </a:rPr>
-              <a:t>a</a:t>
-            </a:r>
-          </a:p>
-          <a:p>
-            <a:pPr marL="514350" indent="-514350">
-              <a:buFont typeface="+mj-lt"/>
-              <a:buAutoNum type="arabicPeriod"/>
-            </a:pPr>
-            <a:r>
-              <a:rPr lang="en-US" i="1" dirty="0" smtClean="0">
-                <a:sym typeface="Symbol"/>
-              </a:rPr>
-              <a:t>c</a:t>
-            </a:r>
-            <a:r>
-              <a:rPr lang="en-US" dirty="0" smtClean="0">
-                <a:sym typeface="Symbol"/>
-              </a:rPr>
-              <a:t> </a:t>
-            </a:r>
-            <a:r>
-              <a:rPr lang="en-US" dirty="0" smtClean="0">
-                <a:latin typeface="Cambria Math"/>
-                <a:ea typeface="Cambria Math"/>
-                <a:sym typeface="Symbol"/>
-              </a:rPr>
-              <a:t>≥ </a:t>
-            </a:r>
-            <a:r>
-              <a:rPr lang="en-US" i="1" dirty="0" smtClean="0">
-                <a:latin typeface="Cambria Math"/>
-                <a:ea typeface="Cambria Math"/>
-                <a:sym typeface="Symbol"/>
-              </a:rPr>
-              <a:t>a</a:t>
-            </a:r>
-            <a:r>
-              <a:rPr lang="en-US" dirty="0" smtClean="0">
-                <a:latin typeface="Cambria Math"/>
-                <a:ea typeface="Cambria Math"/>
-                <a:sym typeface="Symbol"/>
-              </a:rPr>
-              <a:t> ≥ </a:t>
-            </a:r>
-            <a:r>
-              <a:rPr lang="en-US" i="1" dirty="0" smtClean="0">
-                <a:latin typeface="Cambria Math"/>
-                <a:ea typeface="Cambria Math"/>
-                <a:sym typeface="Symbol"/>
-              </a:rPr>
-              <a:t>b</a:t>
-            </a:r>
-          </a:p>
-          <a:p>
-            <a:pPr marL="514350" indent="-514350">
-              <a:buFont typeface="+mj-lt"/>
-              <a:buAutoNum type="arabicPeriod"/>
-            </a:pPr>
-            <a:r>
-              <a:rPr lang="en-US" i="1" dirty="0" smtClean="0">
-                <a:sym typeface="Symbol"/>
-              </a:rPr>
-              <a:t>c</a:t>
-            </a:r>
-            <a:r>
-              <a:rPr lang="en-US" dirty="0" smtClean="0">
-                <a:sym typeface="Symbol"/>
-              </a:rPr>
-              <a:t> </a:t>
-            </a:r>
-            <a:r>
-              <a:rPr lang="en-US" dirty="0" smtClean="0">
-                <a:latin typeface="Cambria Math"/>
-                <a:ea typeface="Cambria Math"/>
-                <a:sym typeface="Symbol"/>
-              </a:rPr>
-              <a:t>≥ </a:t>
-            </a:r>
-            <a:r>
-              <a:rPr lang="en-US" i="1" dirty="0" smtClean="0">
-                <a:latin typeface="Cambria Math"/>
-                <a:ea typeface="Cambria Math"/>
-                <a:sym typeface="Symbol"/>
-              </a:rPr>
-              <a:t>b</a:t>
-            </a:r>
-            <a:r>
-              <a:rPr lang="en-US" dirty="0" smtClean="0">
-                <a:latin typeface="Cambria Math"/>
-                <a:ea typeface="Cambria Math"/>
-                <a:sym typeface="Symbol"/>
-              </a:rPr>
-              <a:t> ≥ </a:t>
-            </a:r>
-            <a:r>
-              <a:rPr lang="en-US" i="1" dirty="0" smtClean="0">
-                <a:latin typeface="Cambria Math"/>
-                <a:ea typeface="Cambria Math"/>
-                <a:sym typeface="Symbol"/>
-              </a:rPr>
-              <a:t>a</a:t>
-            </a:r>
-          </a:p>
-          <a:p>
-            <a:pPr marL="514350" indent="-514350">
-              <a:buFont typeface="+mj-lt"/>
-              <a:buAutoNum type="arabicPeriod"/>
+              <a:buNone/>
             </a:pPr>
             <a:endParaRPr lang="en-US" dirty="0" smtClean="0">
-              <a:latin typeface="Cambria Math"/>
-              <a:ea typeface="Cambria Math"/>
+              <a:sym typeface="Symbol"/>
+            </a:endParaRPr>
+          </a:p>
+          <a:p>
+            <a:pPr marL="514350" indent="-514350">
+              <a:buNone/>
+            </a:pPr>
+            <a:endParaRPr lang="en-US" dirty="0" smtClean="0">
+              <a:sym typeface="Symbol"/>
+            </a:endParaRPr>
+          </a:p>
+          <a:p>
+            <a:pPr marL="514350" indent="-514350">
+              <a:buNone/>
+            </a:pPr>
+            <a:endParaRPr lang="en-US" dirty="0" smtClean="0"/>
+          </a:p>
+          <a:p>
+            <a:pPr marL="514350" indent="-514350">
+              <a:buNone/>
+            </a:pPr>
+            <a:endParaRPr lang="en-US" dirty="0" smtClean="0">
               <a:sym typeface="Symbol"/>
             </a:endParaRPr>
           </a:p>
@@ -14411,50 +14601,10 @@
           </a:p>
         </p:txBody>
       </p:sp>
-      <p:sp>
-        <p:nvSpPr>
-          <p:cNvPr id="4" name="TextBox 3"/>
-          <p:cNvSpPr txBox="1"/>
-          <p:nvPr/>
-        </p:nvSpPr>
-        <p:spPr>
-          <a:xfrm>
-            <a:off x="5410200" y="6019800"/>
-            <a:ext cx="3276600" cy="369332"/>
-          </a:xfrm>
-          <a:prstGeom prst="rect">
-            <a:avLst/>
-          </a:prstGeom>
-          <a:noFill/>
-        </p:spPr>
-        <p:txBody>
-          <a:bodyPr wrap="square" rtlCol="0">
-            <a:spAutoFit/>
-          </a:bodyPr>
-          <a:lstStyle/>
-          <a:p>
-            <a:r>
-              <a:rPr lang="en-US" i="1" dirty="0"/>
-              <a:t>Continued on next slide</a:t>
-            </a:r>
-            <a:r>
-              <a:rPr lang="en-US" dirty="0"/>
-              <a:t> </a:t>
-            </a:r>
-            <a:r>
-              <a:rPr lang="en-US" dirty="0">
-                <a:sym typeface="Wingdings" pitchFamily="2" charset="2"/>
-              </a:rPr>
-              <a:t></a:t>
-            </a:r>
-            <a:endParaRPr lang="en-US" dirty="0"/>
-          </a:p>
-        </p:txBody>
-      </p:sp>
     </p:spTree>
     <p:extLst>
       <p:ext uri="{BB962C8B-B14F-4D97-AF65-F5344CB8AC3E}">
-        <p14:creationId xmlns:p14="http://schemas.microsoft.com/office/powerpoint/2010/main" val="969080605"/>
+        <p14:creationId xmlns:p14="http://schemas.microsoft.com/office/powerpoint/2010/main" val="1699424011"/>
       </p:ext>
     </p:extLst>
   </p:cSld>
@@ -14505,9 +14655,9 @@
           <a:p>
             <a:r>
               <a:rPr lang="en-US" dirty="0" smtClean="0"/>
-              <a:t>Proof by Cases</a:t>
-            </a:r>
-            <a:endParaRPr lang="en-US" dirty="0"/>
+              <a:t>A Question on Everyday Experience</a:t>
+            </a:r>
+            <a:endParaRPr lang="lv-LV" dirty="0"/>
           </a:p>
         </p:txBody>
       </p:sp>
@@ -14523,154 +14673,55 @@
         </p:nvSpPr>
         <p:spPr/>
         <p:txBody>
-          <a:bodyPr>
-            <a:normAutofit/>
-          </a:bodyPr>
+          <a:bodyPr/>
           <a:lstStyle/>
           <a:p>
-            <a:pPr marL="514350" indent="-514350">
+            <a:pPr marL="0" indent="0" fontAlgn="base">
               <a:buNone/>
             </a:pPr>
             <a:r>
-              <a:rPr lang="en-US" dirty="0" smtClean="0">
-                <a:sym typeface="Symbol"/>
-              </a:rPr>
-              <a:t>Case </a:t>
-            </a:r>
-            <a:r>
-              <a:rPr lang="en-US" dirty="0" smtClean="0">
-                <a:latin typeface="Cambria Math" pitchFamily="18" charset="0"/>
-                <a:ea typeface="Cambria Math" pitchFamily="18" charset="0"/>
-                <a:sym typeface="Symbol"/>
-              </a:rPr>
-              <a:t>1</a:t>
-            </a:r>
-            <a:r>
-              <a:rPr lang="en-US" dirty="0" smtClean="0">
-                <a:sym typeface="Symbol"/>
-              </a:rPr>
-              <a:t>: a </a:t>
-            </a:r>
-            <a:r>
-              <a:rPr lang="en-US" dirty="0" smtClean="0">
-                <a:latin typeface="Cambria Math"/>
-                <a:ea typeface="Cambria Math"/>
-                <a:sym typeface="Symbol"/>
-              </a:rPr>
-              <a:t>≥ b ≥ c</a:t>
-            </a:r>
-            <a:endParaRPr lang="en-US" dirty="0" smtClean="0">
-              <a:sym typeface="Symbol"/>
-            </a:endParaRPr>
-          </a:p>
-          <a:p>
-            <a:pPr marL="514350" indent="-514350">
+              <a:rPr lang="en-US" dirty="0"/>
+              <a:t>Jack is looking at Anne, but Anne is looking at George. Jack is married, but George is not. Is a married person looking at an unmarried person?</a:t>
+            </a:r>
+          </a:p>
+          <a:p>
+            <a:pPr marL="0" indent="0" fontAlgn="base">
               <a:buNone/>
             </a:pPr>
             <a:r>
-              <a:rPr lang="en-US" dirty="0" smtClean="0">
-                <a:sym typeface="Symbol"/>
-              </a:rPr>
-              <a:t>(a @ b) = a, a @ c = a, b @ c = b</a:t>
-            </a:r>
-          </a:p>
-          <a:p>
-            <a:pPr marL="514350" indent="-514350">
-              <a:buNone/>
-            </a:pPr>
-            <a:r>
-              <a:rPr lang="en-US" dirty="0" smtClean="0">
-                <a:sym typeface="Symbol"/>
-              </a:rPr>
-              <a:t>Hence (a @ b) @ c = a = a @ (b @ c)</a:t>
-            </a:r>
-          </a:p>
-          <a:p>
-            <a:pPr marL="514350" indent="-514350">
-              <a:buNone/>
-            </a:pPr>
-            <a:r>
-              <a:rPr lang="en-US" dirty="0" smtClean="0">
-                <a:sym typeface="Symbol"/>
-              </a:rPr>
-              <a:t>Therefore the equality holds for the first case.</a:t>
-            </a:r>
-          </a:p>
-          <a:p>
-            <a:pPr marL="514350" indent="-514350">
-              <a:buNone/>
-            </a:pPr>
-            <a:endParaRPr lang="en-US" dirty="0">
-              <a:sym typeface="Symbol"/>
-            </a:endParaRPr>
-          </a:p>
-          <a:p>
-            <a:pPr marL="514350" indent="-514350">
-              <a:buNone/>
-            </a:pPr>
-            <a:r>
-              <a:rPr lang="en-US" dirty="0" smtClean="0">
-                <a:sym typeface="Symbol"/>
-              </a:rPr>
-              <a:t>A complete proof requires that the equality be shown to hold for all 6 cases. But the proofs of the remaining cases are similar. Try them.</a:t>
-            </a:r>
-          </a:p>
-          <a:p>
-            <a:pPr marL="514350" indent="-514350">
-              <a:buNone/>
-            </a:pPr>
-            <a:endParaRPr lang="en-US" dirty="0" smtClean="0">
-              <a:sym typeface="Symbol"/>
-            </a:endParaRPr>
-          </a:p>
-          <a:p>
-            <a:pPr marL="514350" indent="-514350">
-              <a:buNone/>
-            </a:pPr>
-            <a:endParaRPr lang="en-US" dirty="0" smtClean="0">
-              <a:sym typeface="Symbol"/>
-            </a:endParaRPr>
-          </a:p>
-          <a:p>
-            <a:pPr marL="514350" indent="-514350">
-              <a:buNone/>
-            </a:pPr>
-            <a:endParaRPr lang="en-US" dirty="0" smtClean="0"/>
-          </a:p>
-          <a:p>
-            <a:pPr marL="514350" indent="-514350">
-              <a:buNone/>
-            </a:pPr>
-            <a:endParaRPr lang="en-US" dirty="0" smtClean="0">
-              <a:sym typeface="Symbol"/>
-            </a:endParaRPr>
-          </a:p>
-          <a:p>
-            <a:pPr marL="514350" indent="-514350">
-              <a:buFont typeface="+mj-lt"/>
-              <a:buAutoNum type="arabicPeriod"/>
-            </a:pPr>
-            <a:endParaRPr lang="en-US" dirty="0"/>
+              <a:rPr lang="en-US" dirty="0"/>
+              <a:t>A) Yes</a:t>
+            </a:r>
+            <a:br>
+              <a:rPr lang="en-US" dirty="0"/>
+            </a:br>
+            <a:r>
+              <a:rPr lang="en-US" dirty="0"/>
+              <a:t>B) No</a:t>
+            </a:r>
+            <a:br>
+              <a:rPr lang="en-US" dirty="0"/>
+            </a:br>
+            <a:r>
+              <a:rPr lang="en-US" dirty="0"/>
+              <a:t>C) Cannot be determined</a:t>
+            </a:r>
+          </a:p>
+          <a:p>
+            <a:endParaRPr lang="lv-LV" dirty="0"/>
           </a:p>
         </p:txBody>
       </p:sp>
     </p:spTree>
     <p:extLst>
       <p:ext uri="{BB962C8B-B14F-4D97-AF65-F5344CB8AC3E}">
-        <p14:creationId xmlns:p14="http://schemas.microsoft.com/office/powerpoint/2010/main" val="1699424011"/>
+        <p14:creationId xmlns:p14="http://schemas.microsoft.com/office/powerpoint/2010/main" val="3769414626"/>
       </p:ext>
     </p:extLst>
   </p:cSld>
   <p:clrMapOvr>
     <a:masterClrMapping/>
   </p:clrMapOvr>
-  <p:timing>
-    <p:tnLst>
-      <p:par>
-        <p:cTn id="1" dur="indefinite" restart="never" nodeType="tmRoot"/>
-      </p:par>
-    </p:tnLst>
-  </p:timing>
 </p:sld>
 </file>
 
